--- a/Diagramas/DIAGRAMA_ESTRUCTURA.pptx
+++ b/Diagramas/DIAGRAMA_ESTRUCTURA.pptx
@@ -5,7 +5,7 @@
     <p:sldMasterId id="2147483648" r:id="rId1"/>
   </p:sldMasterIdLst>
   <p:sldIdLst>
-    <p:sldId id="257" r:id="rId2"/>
+    <p:sldId id="257" r:id="rId3"/>
   </p:sldIdLst>
   <p:sldSz cx="12192000" cy="6858000"/>
   <p:notesSz cx="6858000" cy="9144000"/>
@@ -104,11 +104,6 @@
       </a:defRPr>
     </a:lvl9pPr>
   </p:defaultTextStyle>
-  <p:extLst>
-    <p:ext uri="{EFAFB233-063F-42B5-8137-9DF3F51BA10A}">
-      <p15:sldGuideLst xmlns:p15="http://schemas.microsoft.com/office/powerpoint/2012/main"/>
-    </p:ext>
-  </p:extLst>
 </p:presentation>
 </file>
 
@@ -249,7 +244,6 @@
           <a:p>
             <a:fld id="{A2EDC20C-66BE-4BEE-84A7-3A82E11906E9}" type="datetimeFigureOut">
               <a:rPr lang="es-EC" smtClean="0"/>
-              <a:t>21/7/2025</a:t>
             </a:fld>
             <a:endParaRPr lang="es-EC"/>
           </a:p>
@@ -291,7 +285,6 @@
           <a:p>
             <a:fld id="{3B0BE8F6-C9E6-42D1-97EE-1E4C1677063A}" type="slidenum">
               <a:rPr lang="es-EC" smtClean="0"/>
-              <a:t>‹Nº›</a:t>
             </a:fld>
             <a:endParaRPr lang="es-EC"/>
           </a:p>
@@ -365,6 +358,7 @@
               <a:rPr lang="es-ES"/>
               <a:t>Haga clic para modificar los estilos de texto del patrón</a:t>
             </a:r>
+            <a:endParaRPr lang="es-ES"/>
           </a:p>
           <a:p>
             <a:pPr lvl="1"/>
@@ -372,6 +366,7 @@
               <a:rPr lang="es-ES"/>
               <a:t>Segundo nivel</a:t>
             </a:r>
+            <a:endParaRPr lang="es-ES"/>
           </a:p>
           <a:p>
             <a:pPr lvl="2"/>
@@ -379,6 +374,7 @@
               <a:rPr lang="es-ES"/>
               <a:t>Tercer nivel</a:t>
             </a:r>
+            <a:endParaRPr lang="es-ES"/>
           </a:p>
           <a:p>
             <a:pPr lvl="3"/>
@@ -386,6 +382,7 @@
               <a:rPr lang="es-ES"/>
               <a:t>Cuarto nivel</a:t>
             </a:r>
+            <a:endParaRPr lang="es-ES"/>
           </a:p>
           <a:p>
             <a:pPr lvl="4"/>
@@ -414,7 +411,6 @@
           <a:p>
             <a:fld id="{A2EDC20C-66BE-4BEE-84A7-3A82E11906E9}" type="datetimeFigureOut">
               <a:rPr lang="es-EC" smtClean="0"/>
-              <a:t>21/7/2025</a:t>
             </a:fld>
             <a:endParaRPr lang="es-EC"/>
           </a:p>
@@ -456,7 +452,6 @@
           <a:p>
             <a:fld id="{3B0BE8F6-C9E6-42D1-97EE-1E4C1677063A}" type="slidenum">
               <a:rPr lang="es-EC" smtClean="0"/>
-              <a:t>‹Nº›</a:t>
             </a:fld>
             <a:endParaRPr lang="es-EC"/>
           </a:p>
@@ -540,6 +535,7 @@
               <a:rPr lang="es-ES"/>
               <a:t>Haga clic para modificar los estilos de texto del patrón</a:t>
             </a:r>
+            <a:endParaRPr lang="es-ES"/>
           </a:p>
           <a:p>
             <a:pPr lvl="1"/>
@@ -547,6 +543,7 @@
               <a:rPr lang="es-ES"/>
               <a:t>Segundo nivel</a:t>
             </a:r>
+            <a:endParaRPr lang="es-ES"/>
           </a:p>
           <a:p>
             <a:pPr lvl="2"/>
@@ -554,6 +551,7 @@
               <a:rPr lang="es-ES"/>
               <a:t>Tercer nivel</a:t>
             </a:r>
+            <a:endParaRPr lang="es-ES"/>
           </a:p>
           <a:p>
             <a:pPr lvl="3"/>
@@ -561,6 +559,7 @@
               <a:rPr lang="es-ES"/>
               <a:t>Cuarto nivel</a:t>
             </a:r>
+            <a:endParaRPr lang="es-ES"/>
           </a:p>
           <a:p>
             <a:pPr lvl="4"/>
@@ -589,7 +588,6 @@
           <a:p>
             <a:fld id="{A2EDC20C-66BE-4BEE-84A7-3A82E11906E9}" type="datetimeFigureOut">
               <a:rPr lang="es-EC" smtClean="0"/>
-              <a:t>21/7/2025</a:t>
             </a:fld>
             <a:endParaRPr lang="es-EC"/>
           </a:p>
@@ -631,7 +629,6 @@
           <a:p>
             <a:fld id="{3B0BE8F6-C9E6-42D1-97EE-1E4C1677063A}" type="slidenum">
               <a:rPr lang="es-EC" smtClean="0"/>
-              <a:t>‹Nº›</a:t>
             </a:fld>
             <a:endParaRPr lang="es-EC"/>
           </a:p>
@@ -705,6 +702,7 @@
               <a:rPr lang="es-ES"/>
               <a:t>Haga clic para modificar los estilos de texto del patrón</a:t>
             </a:r>
+            <a:endParaRPr lang="es-ES"/>
           </a:p>
           <a:p>
             <a:pPr lvl="1"/>
@@ -712,6 +710,7 @@
               <a:rPr lang="es-ES"/>
               <a:t>Segundo nivel</a:t>
             </a:r>
+            <a:endParaRPr lang="es-ES"/>
           </a:p>
           <a:p>
             <a:pPr lvl="2"/>
@@ -719,6 +718,7 @@
               <a:rPr lang="es-ES"/>
               <a:t>Tercer nivel</a:t>
             </a:r>
+            <a:endParaRPr lang="es-ES"/>
           </a:p>
           <a:p>
             <a:pPr lvl="3"/>
@@ -726,6 +726,7 @@
               <a:rPr lang="es-ES"/>
               <a:t>Cuarto nivel</a:t>
             </a:r>
+            <a:endParaRPr lang="es-ES"/>
           </a:p>
           <a:p>
             <a:pPr lvl="4"/>
@@ -754,7 +755,6 @@
           <a:p>
             <a:fld id="{A2EDC20C-66BE-4BEE-84A7-3A82E11906E9}" type="datetimeFigureOut">
               <a:rPr lang="es-EC" smtClean="0"/>
-              <a:t>21/7/2025</a:t>
             </a:fld>
             <a:endParaRPr lang="es-EC"/>
           </a:p>
@@ -796,7 +796,6 @@
           <a:p>
             <a:fld id="{3B0BE8F6-C9E6-42D1-97EE-1E4C1677063A}" type="slidenum">
               <a:rPr lang="es-EC" smtClean="0"/>
-              <a:t>‹Nº›</a:t>
             </a:fld>
             <a:endParaRPr lang="es-EC"/>
           </a:p>
@@ -975,6 +974,7 @@
               <a:rPr lang="es-ES"/>
               <a:t>Haga clic para modificar los estilos de texto del patrón</a:t>
             </a:r>
+            <a:endParaRPr lang="es-ES"/>
           </a:p>
         </p:txBody>
       </p:sp>
@@ -995,7 +995,6 @@
           <a:p>
             <a:fld id="{A2EDC20C-66BE-4BEE-84A7-3A82E11906E9}" type="datetimeFigureOut">
               <a:rPr lang="es-EC" smtClean="0"/>
-              <a:t>21/7/2025</a:t>
             </a:fld>
             <a:endParaRPr lang="es-EC"/>
           </a:p>
@@ -1037,7 +1036,6 @@
           <a:p>
             <a:fld id="{3B0BE8F6-C9E6-42D1-97EE-1E4C1677063A}" type="slidenum">
               <a:rPr lang="es-EC" smtClean="0"/>
-              <a:t>‹Nº›</a:t>
             </a:fld>
             <a:endParaRPr lang="es-EC"/>
           </a:p>
@@ -1116,6 +1114,7 @@
               <a:rPr lang="es-ES"/>
               <a:t>Haga clic para modificar los estilos de texto del patrón</a:t>
             </a:r>
+            <a:endParaRPr lang="es-ES"/>
           </a:p>
           <a:p>
             <a:pPr lvl="1"/>
@@ -1123,6 +1122,7 @@
               <a:rPr lang="es-ES"/>
               <a:t>Segundo nivel</a:t>
             </a:r>
+            <a:endParaRPr lang="es-ES"/>
           </a:p>
           <a:p>
             <a:pPr lvl="2"/>
@@ -1130,6 +1130,7 @@
               <a:rPr lang="es-ES"/>
               <a:t>Tercer nivel</a:t>
             </a:r>
+            <a:endParaRPr lang="es-ES"/>
           </a:p>
           <a:p>
             <a:pPr lvl="3"/>
@@ -1137,6 +1138,7 @@
               <a:rPr lang="es-ES"/>
               <a:t>Cuarto nivel</a:t>
             </a:r>
+            <a:endParaRPr lang="es-ES"/>
           </a:p>
           <a:p>
             <a:pPr lvl="4"/>
@@ -1173,6 +1175,7 @@
               <a:rPr lang="es-ES"/>
               <a:t>Haga clic para modificar los estilos de texto del patrón</a:t>
             </a:r>
+            <a:endParaRPr lang="es-ES"/>
           </a:p>
           <a:p>
             <a:pPr lvl="1"/>
@@ -1180,6 +1183,7 @@
               <a:rPr lang="es-ES"/>
               <a:t>Segundo nivel</a:t>
             </a:r>
+            <a:endParaRPr lang="es-ES"/>
           </a:p>
           <a:p>
             <a:pPr lvl="2"/>
@@ -1187,6 +1191,7 @@
               <a:rPr lang="es-ES"/>
               <a:t>Tercer nivel</a:t>
             </a:r>
+            <a:endParaRPr lang="es-ES"/>
           </a:p>
           <a:p>
             <a:pPr lvl="3"/>
@@ -1194,6 +1199,7 @@
               <a:rPr lang="es-ES"/>
               <a:t>Cuarto nivel</a:t>
             </a:r>
+            <a:endParaRPr lang="es-ES"/>
           </a:p>
           <a:p>
             <a:pPr lvl="4"/>
@@ -1222,7 +1228,6 @@
           <a:p>
             <a:fld id="{A2EDC20C-66BE-4BEE-84A7-3A82E11906E9}" type="datetimeFigureOut">
               <a:rPr lang="es-EC" smtClean="0"/>
-              <a:t>21/7/2025</a:t>
             </a:fld>
             <a:endParaRPr lang="es-EC"/>
           </a:p>
@@ -1264,7 +1269,6 @@
           <a:p>
             <a:fld id="{3B0BE8F6-C9E6-42D1-97EE-1E4C1677063A}" type="slidenum">
               <a:rPr lang="es-EC" smtClean="0"/>
-              <a:t>‹Nº›</a:t>
             </a:fld>
             <a:endParaRPr lang="es-EC"/>
           </a:p>
@@ -1385,6 +1389,7 @@
               <a:rPr lang="es-ES"/>
               <a:t>Haga clic para modificar los estilos de texto del patrón</a:t>
             </a:r>
+            <a:endParaRPr lang="es-ES"/>
           </a:p>
         </p:txBody>
       </p:sp>
@@ -1413,6 +1418,7 @@
               <a:rPr lang="es-ES"/>
               <a:t>Haga clic para modificar los estilos de texto del patrón</a:t>
             </a:r>
+            <a:endParaRPr lang="es-ES"/>
           </a:p>
           <a:p>
             <a:pPr lvl="1"/>
@@ -1420,6 +1426,7 @@
               <a:rPr lang="es-ES"/>
               <a:t>Segundo nivel</a:t>
             </a:r>
+            <a:endParaRPr lang="es-ES"/>
           </a:p>
           <a:p>
             <a:pPr lvl="2"/>
@@ -1427,6 +1434,7 @@
               <a:rPr lang="es-ES"/>
               <a:t>Tercer nivel</a:t>
             </a:r>
+            <a:endParaRPr lang="es-ES"/>
           </a:p>
           <a:p>
             <a:pPr lvl="3"/>
@@ -1434,6 +1442,7 @@
               <a:rPr lang="es-ES"/>
               <a:t>Cuarto nivel</a:t>
             </a:r>
+            <a:endParaRPr lang="es-ES"/>
           </a:p>
           <a:p>
             <a:pPr lvl="4"/>
@@ -1507,6 +1516,7 @@
               <a:rPr lang="es-ES"/>
               <a:t>Haga clic para modificar los estilos de texto del patrón</a:t>
             </a:r>
+            <a:endParaRPr lang="es-ES"/>
           </a:p>
         </p:txBody>
       </p:sp>
@@ -1535,6 +1545,7 @@
               <a:rPr lang="es-ES"/>
               <a:t>Haga clic para modificar los estilos de texto del patrón</a:t>
             </a:r>
+            <a:endParaRPr lang="es-ES"/>
           </a:p>
           <a:p>
             <a:pPr lvl="1"/>
@@ -1542,6 +1553,7 @@
               <a:rPr lang="es-ES"/>
               <a:t>Segundo nivel</a:t>
             </a:r>
+            <a:endParaRPr lang="es-ES"/>
           </a:p>
           <a:p>
             <a:pPr lvl="2"/>
@@ -1549,6 +1561,7 @@
               <a:rPr lang="es-ES"/>
               <a:t>Tercer nivel</a:t>
             </a:r>
+            <a:endParaRPr lang="es-ES"/>
           </a:p>
           <a:p>
             <a:pPr lvl="3"/>
@@ -1556,6 +1569,7 @@
               <a:rPr lang="es-ES"/>
               <a:t>Cuarto nivel</a:t>
             </a:r>
+            <a:endParaRPr lang="es-ES"/>
           </a:p>
           <a:p>
             <a:pPr lvl="4"/>
@@ -1584,7 +1598,6 @@
           <a:p>
             <a:fld id="{A2EDC20C-66BE-4BEE-84A7-3A82E11906E9}" type="datetimeFigureOut">
               <a:rPr lang="es-EC" smtClean="0"/>
-              <a:t>21/7/2025</a:t>
             </a:fld>
             <a:endParaRPr lang="es-EC"/>
           </a:p>
@@ -1626,7 +1639,6 @@
           <a:p>
             <a:fld id="{3B0BE8F6-C9E6-42D1-97EE-1E4C1677063A}" type="slidenum">
               <a:rPr lang="es-EC" smtClean="0"/>
-              <a:t>‹Nº›</a:t>
             </a:fld>
             <a:endParaRPr lang="es-EC"/>
           </a:p>
@@ -1697,7 +1709,6 @@
           <a:p>
             <a:fld id="{A2EDC20C-66BE-4BEE-84A7-3A82E11906E9}" type="datetimeFigureOut">
               <a:rPr lang="es-EC" smtClean="0"/>
-              <a:t>21/7/2025</a:t>
             </a:fld>
             <a:endParaRPr lang="es-EC"/>
           </a:p>
@@ -1739,7 +1750,6 @@
           <a:p>
             <a:fld id="{3B0BE8F6-C9E6-42D1-97EE-1E4C1677063A}" type="slidenum">
               <a:rPr lang="es-EC" smtClean="0"/>
-              <a:t>‹Nº›</a:t>
             </a:fld>
             <a:endParaRPr lang="es-EC"/>
           </a:p>
@@ -1787,7 +1797,6 @@
           <a:p>
             <a:fld id="{A2EDC20C-66BE-4BEE-84A7-3A82E11906E9}" type="datetimeFigureOut">
               <a:rPr lang="es-EC" smtClean="0"/>
-              <a:t>21/7/2025</a:t>
             </a:fld>
             <a:endParaRPr lang="es-EC"/>
           </a:p>
@@ -1829,7 +1838,6 @@
           <a:p>
             <a:fld id="{3B0BE8F6-C9E6-42D1-97EE-1E4C1677063A}" type="slidenum">
               <a:rPr lang="es-EC" smtClean="0"/>
-              <a:t>‹Nº›</a:t>
             </a:fld>
             <a:endParaRPr lang="es-EC"/>
           </a:p>
@@ -1945,6 +1953,7 @@
               <a:rPr lang="es-ES"/>
               <a:t>Haga clic para modificar los estilos de texto del patrón</a:t>
             </a:r>
+            <a:endParaRPr lang="es-ES"/>
           </a:p>
           <a:p>
             <a:pPr lvl="1"/>
@@ -1952,6 +1961,7 @@
               <a:rPr lang="es-ES"/>
               <a:t>Segundo nivel</a:t>
             </a:r>
+            <a:endParaRPr lang="es-ES"/>
           </a:p>
           <a:p>
             <a:pPr lvl="2"/>
@@ -1959,6 +1969,7 @@
               <a:rPr lang="es-ES"/>
               <a:t>Tercer nivel</a:t>
             </a:r>
+            <a:endParaRPr lang="es-ES"/>
           </a:p>
           <a:p>
             <a:pPr lvl="3"/>
@@ -1966,6 +1977,7 @@
               <a:rPr lang="es-ES"/>
               <a:t>Cuarto nivel</a:t>
             </a:r>
+            <a:endParaRPr lang="es-ES"/>
           </a:p>
           <a:p>
             <a:pPr lvl="4"/>
@@ -2039,6 +2051,7 @@
               <a:rPr lang="es-ES"/>
               <a:t>Haga clic para modificar los estilos de texto del patrón</a:t>
             </a:r>
+            <a:endParaRPr lang="es-ES"/>
           </a:p>
         </p:txBody>
       </p:sp>
@@ -2059,7 +2072,6 @@
           <a:p>
             <a:fld id="{A2EDC20C-66BE-4BEE-84A7-3A82E11906E9}" type="datetimeFigureOut">
               <a:rPr lang="es-EC" smtClean="0"/>
-              <a:t>21/7/2025</a:t>
             </a:fld>
             <a:endParaRPr lang="es-EC"/>
           </a:p>
@@ -2101,7 +2113,6 @@
           <a:p>
             <a:fld id="{3B0BE8F6-C9E6-42D1-97EE-1E4C1677063A}" type="slidenum">
               <a:rPr lang="es-EC" smtClean="0"/>
-              <a:t>‹Nº›</a:t>
             </a:fld>
             <a:endParaRPr lang="es-EC"/>
           </a:p>
@@ -2287,6 +2298,7 @@
               <a:rPr lang="es-ES"/>
               <a:t>Haga clic para modificar los estilos de texto del patrón</a:t>
             </a:r>
+            <a:endParaRPr lang="es-ES"/>
           </a:p>
         </p:txBody>
       </p:sp>
@@ -2307,7 +2319,6 @@
           <a:p>
             <a:fld id="{A2EDC20C-66BE-4BEE-84A7-3A82E11906E9}" type="datetimeFigureOut">
               <a:rPr lang="es-EC" smtClean="0"/>
-              <a:t>21/7/2025</a:t>
             </a:fld>
             <a:endParaRPr lang="es-EC"/>
           </a:p>
@@ -2349,7 +2360,6 @@
           <a:p>
             <a:fld id="{3B0BE8F6-C9E6-42D1-97EE-1E4C1677063A}" type="slidenum">
               <a:rPr lang="es-EC" smtClean="0"/>
-              <a:t>‹Nº›</a:t>
             </a:fld>
             <a:endParaRPr lang="es-EC"/>
           </a:p>
@@ -2448,6 +2458,7 @@
               <a:rPr lang="es-ES"/>
               <a:t>Haga clic para modificar los estilos de texto del patrón</a:t>
             </a:r>
+            <a:endParaRPr lang="es-ES"/>
           </a:p>
           <a:p>
             <a:pPr lvl="1"/>
@@ -2455,6 +2466,7 @@
               <a:rPr lang="es-ES"/>
               <a:t>Segundo nivel</a:t>
             </a:r>
+            <a:endParaRPr lang="es-ES"/>
           </a:p>
           <a:p>
             <a:pPr lvl="2"/>
@@ -2462,6 +2474,7 @@
               <a:rPr lang="es-ES"/>
               <a:t>Tercer nivel</a:t>
             </a:r>
+            <a:endParaRPr lang="es-ES"/>
           </a:p>
           <a:p>
             <a:pPr lvl="3"/>
@@ -2469,6 +2482,7 @@
               <a:rPr lang="es-ES"/>
               <a:t>Cuarto nivel</a:t>
             </a:r>
+            <a:endParaRPr lang="es-ES"/>
           </a:p>
           <a:p>
             <a:pPr lvl="4"/>
@@ -2515,7 +2529,6 @@
           <a:p>
             <a:fld id="{A2EDC20C-66BE-4BEE-84A7-3A82E11906E9}" type="datetimeFigureOut">
               <a:rPr lang="es-EC" smtClean="0"/>
-              <a:t>21/7/2025</a:t>
             </a:fld>
             <a:endParaRPr lang="es-EC"/>
           </a:p>
@@ -2593,7 +2606,6 @@
           <a:p>
             <a:fld id="{3B0BE8F6-C9E6-42D1-97EE-1E4C1677063A}" type="slidenum">
               <a:rPr lang="es-EC" smtClean="0"/>
-              <a:t>‹Nº›</a:t>
             </a:fld>
             <a:endParaRPr lang="es-EC"/>
           </a:p>
@@ -2980,7 +2992,7 @@
         </p:spPr>
         <p:txBody>
           <a:bodyPr vert="horz" lIns="91440" tIns="45720" rIns="91440" bIns="45720" rtlCol="0" anchor="ctr">
-            <a:normAutofit fontScale="95000"/>
+            <a:normAutofit/>
           </a:bodyPr>
           <a:lstStyle>
             <a:lvl1pPr algn="l" defTabSz="914400" rtl="0" eaLnBrk="1" latinLnBrk="0" hangingPunct="1">
@@ -3017,6 +3029,10 @@
               </a:rPr>
               <a:t>IAGRAMA ARQUITECTÓNICO - CEREBROLANDIA</a:t>
             </a:r>
+            <a:endParaRPr lang="es-EC" altLang="en-US" sz="2400" b="1" dirty="0">
+              <a:latin typeface="Times New Roman" panose="02020603050405020304" pitchFamily="18" charset="0"/>
+              <a:cs typeface="Times New Roman" panose="02020603050405020304" pitchFamily="18" charset="0"/>
+            </a:endParaRPr>
           </a:p>
         </p:txBody>
       </p:sp>
@@ -3029,13 +3045,13 @@
           <p:nvPr/>
         </p:nvPicPr>
         <p:blipFill>
-          <a:blip r:embed="rId2">
+          <a:blip r:embed="rId1">
             <a:extLst>
               <a:ext uri="{28A0092B-C50C-407E-A947-70E740481C1C}">
                 <a14:useLocalDpi xmlns:a14="http://schemas.microsoft.com/office/drawing/2010/main" val="0"/>
               </a:ext>
               <a:ext uri="{96DAC541-7B7A-43D3-8B79-37D633B846F1}">
-                <asvg:svgBlip xmlns:asvg="http://schemas.microsoft.com/office/drawing/2016/SVG/main" r:embed="rId3"/>
+                <asvg:svgBlip xmlns:asvg="http://schemas.microsoft.com/office/drawing/2016/SVG/main" r:embed="rId2"/>
               </a:ext>
             </a:extLst>
           </a:blip>
@@ -3143,6 +3159,7 @@
               <a:rPr lang="es-EC" altLang="es-ES" dirty="0"/>
               <a:t>vidor</a:t>
             </a:r>
+            <a:endParaRPr lang="es-EC" altLang="es-ES" dirty="0"/>
           </a:p>
         </p:txBody>
       </p:sp>
@@ -3185,13 +3202,13 @@
           <p:nvPr/>
         </p:nvPicPr>
         <p:blipFill>
-          <a:blip r:embed="rId4">
+          <a:blip r:embed="rId3">
             <a:extLst>
               <a:ext uri="{28A0092B-C50C-407E-A947-70E740481C1C}">
                 <a14:useLocalDpi xmlns:a14="http://schemas.microsoft.com/office/drawing/2010/main" val="0"/>
               </a:ext>
               <a:ext uri="{96DAC541-7B7A-43D3-8B79-37D633B846F1}">
-                <asvg:svgBlip xmlns:asvg="http://schemas.microsoft.com/office/drawing/2016/SVG/main" r:embed="rId5"/>
+                <asvg:svgBlip xmlns:asvg="http://schemas.microsoft.com/office/drawing/2016/SVG/main" r:embed="rId4"/>
               </a:ext>
             </a:extLst>
           </a:blip>
@@ -3350,13 +3367,13 @@
           <p:nvPr/>
         </p:nvPicPr>
         <p:blipFill>
-          <a:blip r:embed="rId2">
+          <a:blip r:embed="rId1">
             <a:extLst>
               <a:ext uri="{28A0092B-C50C-407E-A947-70E740481C1C}">
                 <a14:useLocalDpi xmlns:a14="http://schemas.microsoft.com/office/drawing/2010/main" val="0"/>
               </a:ext>
               <a:ext uri="{96DAC541-7B7A-43D3-8B79-37D633B846F1}">
-                <asvg:svgBlip xmlns:asvg="http://schemas.microsoft.com/office/drawing/2016/SVG/main" r:embed="rId3"/>
+                <asvg:svgBlip xmlns:asvg="http://schemas.microsoft.com/office/drawing/2016/SVG/main" r:embed="rId2"/>
               </a:ext>
             </a:extLst>
           </a:blip>
@@ -3413,13 +3430,13 @@
           <p:nvPr/>
         </p:nvPicPr>
         <p:blipFill>
-          <a:blip r:embed="rId6">
+          <a:blip r:embed="rId5">
             <a:extLst>
               <a:ext uri="{28A0092B-C50C-407E-A947-70E740481C1C}">
                 <a14:useLocalDpi xmlns:a14="http://schemas.microsoft.com/office/drawing/2010/main" val="0"/>
               </a:ext>
               <a:ext uri="{96DAC541-7B7A-43D3-8B79-37D633B846F1}">
-                <asvg:svgBlip xmlns:asvg="http://schemas.microsoft.com/office/drawing/2016/SVG/main" r:embed="rId7"/>
+                <asvg:svgBlip xmlns:asvg="http://schemas.microsoft.com/office/drawing/2016/SVG/main" r:embed="rId6"/>
               </a:ext>
             </a:extLst>
           </a:blip>
@@ -3429,7 +3446,7 @@
         </p:blipFill>
         <p:spPr>
           <a:xfrm>
-            <a:off x="4296244" y="4902733"/>
+            <a:off x="3308819" y="4878603"/>
             <a:ext cx="476908" cy="476908"/>
           </a:xfrm>
           <a:prstGeom prst="rect">
@@ -3445,8 +3462,8 @@
         </p:nvSpPr>
         <p:spPr>
           <a:xfrm>
-            <a:off x="3859656" y="5379641"/>
-            <a:ext cx="1350083" cy="277108"/>
+            <a:off x="3209290" y="5355590"/>
+            <a:ext cx="889635" cy="460375"/>
           </a:xfrm>
           <a:prstGeom prst="rect">
             <a:avLst/>
@@ -3476,13 +3493,13 @@
           <p:nvPr/>
         </p:nvPicPr>
         <p:blipFill>
-          <a:blip r:embed="rId2">
+          <a:blip r:embed="rId1">
             <a:extLst>
               <a:ext uri="{28A0092B-C50C-407E-A947-70E740481C1C}">
                 <a14:useLocalDpi xmlns:a14="http://schemas.microsoft.com/office/drawing/2010/main" val="0"/>
               </a:ext>
               <a:ext uri="{96DAC541-7B7A-43D3-8B79-37D633B846F1}">
-                <asvg:svgBlip xmlns:asvg="http://schemas.microsoft.com/office/drawing/2016/SVG/main" r:embed="rId3"/>
+                <asvg:svgBlip xmlns:asvg="http://schemas.microsoft.com/office/drawing/2016/SVG/main" r:embed="rId2"/>
               </a:ext>
             </a:extLst>
           </a:blip>
@@ -3508,8 +3525,8 @@
         </p:nvSpPr>
         <p:spPr>
           <a:xfrm>
-            <a:off x="1968676" y="1995509"/>
-            <a:ext cx="1075765" cy="461665"/>
+            <a:off x="1968500" y="1995805"/>
+            <a:ext cx="1483360" cy="460375"/>
           </a:xfrm>
           <a:prstGeom prst="rect">
             <a:avLst/>
@@ -3526,12 +3543,14 @@
               <a:rPr lang="es-EC" sz="1200" dirty="0"/>
               <a:t>Autenticación</a:t>
             </a:r>
+            <a:endParaRPr lang="es-EC" sz="1200" dirty="0"/>
           </a:p>
           <a:p>
             <a:r>
               <a:rPr lang="es-EC" sz="1200" dirty="0"/>
-              <a:t> Usuario</a:t>
-            </a:r>
+              <a:t> Usuario / Docente</a:t>
+            </a:r>
+            <a:endParaRPr lang="es-EC" sz="1200" dirty="0"/>
           </a:p>
         </p:txBody>
       </p:sp>
@@ -3584,13 +3603,13 @@
           <p:nvPr/>
         </p:nvPicPr>
         <p:blipFill>
-          <a:blip r:embed="rId8">
+          <a:blip r:embed="rId7">
             <a:extLst>
               <a:ext uri="{28A0092B-C50C-407E-A947-70E740481C1C}">
                 <a14:useLocalDpi xmlns:a14="http://schemas.microsoft.com/office/drawing/2010/main" val="0"/>
               </a:ext>
               <a:ext uri="{96DAC541-7B7A-43D3-8B79-37D633B846F1}">
-                <asvg:svgBlip xmlns:asvg="http://schemas.microsoft.com/office/drawing/2016/SVG/main" r:embed="rId9"/>
+                <asvg:svgBlip xmlns:asvg="http://schemas.microsoft.com/office/drawing/2016/SVG/main" r:embed="rId8"/>
               </a:ext>
             </a:extLst>
           </a:blip>
@@ -3634,6 +3653,7 @@
               <a:rPr lang="es-EC" sz="1200" dirty="0"/>
               <a:t>Código HTML del Juego</a:t>
             </a:r>
+            <a:endParaRPr lang="es-EC" sz="1200" dirty="0"/>
           </a:p>
         </p:txBody>
       </p:sp>
@@ -3646,13 +3666,13 @@
           <p:nvPr/>
         </p:nvPicPr>
         <p:blipFill>
-          <a:blip r:embed="rId10">
+          <a:blip r:embed="rId9">
             <a:extLst>
               <a:ext uri="{28A0092B-C50C-407E-A947-70E740481C1C}">
                 <a14:useLocalDpi xmlns:a14="http://schemas.microsoft.com/office/drawing/2010/main" val="0"/>
               </a:ext>
               <a:ext uri="{96DAC541-7B7A-43D3-8B79-37D633B846F1}">
-                <asvg:svgBlip xmlns:asvg="http://schemas.microsoft.com/office/drawing/2016/SVG/main" r:embed="rId11"/>
+                <asvg:svgBlip xmlns:asvg="http://schemas.microsoft.com/office/drawing/2016/SVG/main" r:embed="rId10"/>
               </a:ext>
             </a:extLst>
           </a:blip>
@@ -3696,6 +3716,7 @@
               <a:rPr lang="es-EC" sz="1200" dirty="0"/>
               <a:t>Conexión Arduino</a:t>
             </a:r>
+            <a:endParaRPr lang="es-EC" sz="1200" dirty="0"/>
           </a:p>
         </p:txBody>
       </p:sp>
@@ -3725,6 +3746,7 @@
               <a:rPr lang="es-EC" dirty="0"/>
               <a:t>Aplicación</a:t>
             </a:r>
+            <a:endParaRPr lang="es-EC" dirty="0"/>
           </a:p>
         </p:txBody>
       </p:sp>
@@ -3821,20 +3843,24 @@
           <a:prstGeom prst="straightConnector1">
             <a:avLst/>
           </a:prstGeom>
-          <a:ln>
-            <a:headEnd type="triangle"/>
-            <a:tailEnd type="triangle"/>
+          <a:ln w="31750" cap="rnd">
+            <a:solidFill>
+              <a:schemeClr val="accent5"/>
+            </a:solidFill>
+            <a:round/>
+            <a:headEnd type="triangle" w="med" len="med"/>
+            <a:tailEnd type="triangle" w="med" len="med"/>
           </a:ln>
         </p:spPr>
         <p:style>
-          <a:lnRef idx="1">
-            <a:schemeClr val="accent2"/>
+          <a:lnRef idx="0">
+            <a:srgbClr val="FFFFFF"/>
           </a:lnRef>
           <a:fillRef idx="0">
-            <a:schemeClr val="accent2"/>
+            <a:srgbClr val="FFFFFF"/>
           </a:fillRef>
           <a:effectRef idx="0">
-            <a:schemeClr val="accent2"/>
+            <a:srgbClr val="FFFFFF"/>
           </a:effectRef>
           <a:fontRef idx="minor">
             <a:schemeClr val="tx1"/>
@@ -3978,6 +4004,7 @@
               <a:rPr sz="1600"/>
               <a:t>Módulo Joystick Shield</a:t>
             </a:r>
+            <a:endParaRPr sz="1600"/>
           </a:p>
         </p:txBody>
       </p:sp>
@@ -3990,7 +4017,7 @@
           <p:nvPr/>
         </p:nvPicPr>
         <p:blipFill>
-          <a:blip r:embed="rId12"/>
+          <a:blip r:embed="rId11"/>
           <a:stretch>
             <a:fillRect/>
           </a:stretch>
@@ -4005,6 +4032,166 @@
           </a:prstGeom>
         </p:spPr>
       </p:pic>
+      <p:pic>
+        <p:nvPicPr>
+          <p:cNvPr id="6" name="Gráfico 48" descr="Lista con relleno sólido"/>
+          <p:cNvPicPr>
+            <a:picLocks noChangeAspect="1"/>
+          </p:cNvPicPr>
+          <p:nvPr/>
+        </p:nvPicPr>
+        <p:blipFill>
+          <a:blip r:embed="rId5">
+            <a:extLst>
+              <a:ext uri="{28A0092B-C50C-407E-A947-70E740481C1C}">
+                <a14:useLocalDpi xmlns:a14="http://schemas.microsoft.com/office/drawing/2010/main" val="0"/>
+              </a:ext>
+              <a:ext uri="{96DAC541-7B7A-43D3-8B79-37D633B846F1}">
+                <asvg:svgBlip xmlns:asvg="http://schemas.microsoft.com/office/drawing/2016/SVG/main" r:embed="rId6"/>
+              </a:ext>
+            </a:extLst>
+          </a:blip>
+          <a:stretch>
+            <a:fillRect/>
+          </a:stretch>
+        </p:blipFill>
+        <p:spPr>
+          <a:xfrm>
+            <a:off x="4406734" y="4902733"/>
+            <a:ext cx="476908" cy="476908"/>
+          </a:xfrm>
+          <a:prstGeom prst="rect">
+            <a:avLst/>
+          </a:prstGeom>
+        </p:spPr>
+      </p:pic>
+      <p:sp>
+        <p:nvSpPr>
+          <p:cNvPr id="7" name="CuadroTexto 49"/>
+          <p:cNvSpPr txBox="1"/>
+          <p:nvPr/>
+        </p:nvSpPr>
+        <p:spPr>
+          <a:xfrm>
+            <a:off x="4264025" y="5379720"/>
+            <a:ext cx="889635" cy="275590"/>
+          </a:xfrm>
+          <a:prstGeom prst="rect">
+            <a:avLst/>
+          </a:prstGeom>
+          <a:noFill/>
+        </p:spPr>
+        <p:txBody>
+          <a:bodyPr wrap="square" rtlCol="0">
+            <a:spAutoFit/>
+          </a:bodyPr>
+          <a:p>
+            <a:r>
+              <a:rPr lang="es-EC" altLang="es-ES" sz="1200" dirty="0"/>
+              <a:t>Resultados</a:t>
+            </a:r>
+            <a:endParaRPr lang="es-EC" altLang="es-ES" sz="1200" dirty="0"/>
+          </a:p>
+        </p:txBody>
+      </p:sp>
+      <p:pic>
+        <p:nvPicPr>
+          <p:cNvPr id="9" name="Gráfico 13" descr="Usuario con relleno sólido"/>
+          <p:cNvPicPr>
+            <a:picLocks noChangeAspect="1"/>
+          </p:cNvPicPr>
+          <p:nvPr/>
+        </p:nvPicPr>
+        <p:blipFill>
+          <a:blip r:embed="rId1">
+            <a:extLst>
+              <a:ext uri="{28A0092B-C50C-407E-A947-70E740481C1C}">
+                <a14:useLocalDpi xmlns:a14="http://schemas.microsoft.com/office/drawing/2010/main" val="0"/>
+              </a:ext>
+              <a:ext uri="{96DAC541-7B7A-43D3-8B79-37D633B846F1}">
+                <asvg:svgBlip xmlns:asvg="http://schemas.microsoft.com/office/drawing/2016/SVG/main" r:embed="rId2"/>
+              </a:ext>
+            </a:extLst>
+          </a:blip>
+          <a:stretch>
+            <a:fillRect/>
+          </a:stretch>
+        </p:blipFill>
+        <p:spPr>
+          <a:xfrm>
+            <a:off x="355575" y="2457299"/>
+            <a:ext cx="677431" cy="677431"/>
+          </a:xfrm>
+          <a:prstGeom prst="rect">
+            <a:avLst/>
+          </a:prstGeom>
+        </p:spPr>
+      </p:pic>
+      <p:cxnSp>
+        <p:nvCxnSpPr>
+          <p:cNvPr id="10" name="Conector: angular 63"/>
+          <p:cNvCxnSpPr/>
+          <p:nvPr/>
+        </p:nvCxnSpPr>
+        <p:spPr>
+          <a:xfrm flipV="1">
+            <a:off x="988060" y="2574925"/>
+            <a:ext cx="829945" cy="356870"/>
+          </a:xfrm>
+          <a:prstGeom prst="bentConnector3">
+            <a:avLst>
+              <a:gd name="adj1" fmla="val 50038"/>
+            </a:avLst>
+          </a:prstGeom>
+          <a:ln>
+            <a:headEnd type="triangle"/>
+            <a:tailEnd type="triangle"/>
+          </a:ln>
+        </p:spPr>
+        <p:style>
+          <a:lnRef idx="1">
+            <a:schemeClr val="dk1"/>
+          </a:lnRef>
+          <a:fillRef idx="0">
+            <a:schemeClr val="dk1"/>
+          </a:fillRef>
+          <a:effectRef idx="0">
+            <a:schemeClr val="dk1"/>
+          </a:effectRef>
+          <a:fontRef idx="minor">
+            <a:schemeClr val="tx1"/>
+          </a:fontRef>
+        </p:style>
+      </p:cxnSp>
+      <p:sp>
+        <p:nvSpPr>
+          <p:cNvPr id="15" name="CuadroTexto 19"/>
+          <p:cNvSpPr txBox="1"/>
+          <p:nvPr/>
+        </p:nvSpPr>
+        <p:spPr>
+          <a:xfrm>
+            <a:off x="236855" y="3101340"/>
+            <a:ext cx="1180465" cy="368300"/>
+          </a:xfrm>
+          <a:prstGeom prst="rect">
+            <a:avLst/>
+          </a:prstGeom>
+          <a:noFill/>
+        </p:spPr>
+        <p:txBody>
+          <a:bodyPr wrap="square" rtlCol="0">
+            <a:spAutoFit/>
+          </a:bodyPr>
+          <a:p>
+            <a:r>
+              <a:rPr lang="es-EC" altLang="es-ES" dirty="0"/>
+              <a:t>Docente</a:t>
+            </a:r>
+            <a:endParaRPr lang="es-EC" altLang="es-ES" dirty="0"/>
+          </a:p>
+        </p:txBody>
+      </p:sp>
     </p:spTree>
   </p:cSld>
   <p:clrMapOvr>
@@ -4264,8 +4451,6 @@
       </a:bgFillStyleLst>
     </a:fmtScheme>
   </a:themeElements>
-  <a:objectDefaults/>
-  <a:extraClrSchemeLst/>
   <a:extLst>
     <a:ext uri="{05A4C25C-085E-4340-85A3-A5531E510DB2}">
       <thm15:themeFamily xmlns:thm15="http://schemas.microsoft.com/office/thememl/2012/main" name="Office Theme" id="{62F939B6-93AF-4DB8-9C6B-D6C7DFDC589F}" vid="{4A3C46E8-61CC-4603-A589-7422A47A8E4A}"/>
